--- a/Slides/Lesson 1.2 General Program Design Principles.pptx
+++ b/Slides/Lesson 1.2 General Program Design Principles.pptx
@@ -223,7 +223,7 @@
           <a:p>
             <a:fld id="{7C7E5181-6CF5-45F7-A87A-E0E0B1FD7549}" type="datetimeFigureOut">
               <a:rPr lang="en-US" smtClean="0"/>
-              <a:t>1/8/2022</a:t>
+              <a:t>1/13/2022</a:t>
             </a:fld>
             <a:endParaRPr lang="en-US"/>
           </a:p>
@@ -907,7 +907,7 @@
           <a:p>
             <a:r>
               <a:rPr lang="en-US" dirty="0"/>
-              <a:t>Here’s the big picture. On the left, we have a fact about the real world: my shirt is red.  </a:t>
+              <a:t>Here’s the big picture. On the left, we have a fact about the real world: my shirt is red. </a:t>
             </a:r>
           </a:p>
           <a:p>
@@ -917,9 +917,27 @@
             </a:r>
           </a:p>
           <a:p>
+            <a:endParaRPr lang="en-US" dirty="0"/>
+          </a:p>
+          <a:p>
             <a:r>
               <a:rPr lang="en-US" dirty="0"/>
-              <a:t>How do we know these are connected: we have to *write it down*.  </a:t>
+              <a:t>We *represent* a real-world fact in code</a:t>
+            </a:r>
+          </a:p>
+          <a:p>
+            <a:r>
+              <a:rPr lang="en-US" dirty="0"/>
+              <a:t>We *interpret* the code as a real-world fact.</a:t>
+            </a:r>
+          </a:p>
+          <a:p>
+            <a:endParaRPr lang="en-US" dirty="0"/>
+          </a:p>
+          <a:p>
+            <a:r>
+              <a:rPr lang="en-US" dirty="0"/>
+              <a:t>How do we know these are connected? We have to *write it down*.  </a:t>
             </a:r>
           </a:p>
           <a:p>
@@ -927,6 +945,9 @@
               <a:rPr lang="en-US" dirty="0"/>
               <a:t>Otherwise the next person who looks at this code won’t know what we meant.</a:t>
             </a:r>
+          </a:p>
+          <a:p>
+            <a:endParaRPr lang="en-US" dirty="0"/>
           </a:p>
           <a:p>
             <a:r>
@@ -1027,7 +1048,7 @@
           <a:p>
             <a:r>
               <a:rPr lang="en-US" dirty="0"/>
-              <a:t>&lt;read slide&gt;</a:t>
+              <a:t>&lt;read slide, and click 3 times to view the whole animation&gt;</a:t>
             </a:r>
           </a:p>
           <a:p>
@@ -2932,6 +2953,16 @@
                 </a:solidFill>
               </a:rPr>
               <a:t>'temp' mean 'temporary', or 'temperature', or something else?</a:t>
+            </a:r>
+          </a:p>
+          <a:p>
+            <a:r>
+              <a:rPr lang="en-US" dirty="0">
+                <a:solidFill>
+                  <a:schemeClr val="tx1"/>
+                </a:solidFill>
+              </a:rPr>
+              <a:t>&lt;click&gt;</a:t>
             </a:r>
           </a:p>
           <a:p>
@@ -3490,7 +3521,7 @@
           <a:p>
             <a:fld id="{5D2A64DE-480B-420F-9649-4F8E696E08E0}" type="datetime1">
               <a:rPr lang="en-US" smtClean="0"/>
-              <a:t>1/8/2022</a:t>
+              <a:t>1/13/2022</a:t>
             </a:fld>
             <a:endParaRPr lang="en-US"/>
           </a:p>
@@ -3724,7 +3755,7 @@
           <a:p>
             <a:fld id="{0D3616D0-8311-4107-9726-6B805E7D05BA}" type="datetime1">
               <a:rPr lang="en-US" smtClean="0"/>
-              <a:t>1/8/2022</a:t>
+              <a:t>1/13/2022</a:t>
             </a:fld>
             <a:endParaRPr lang="en-US"/>
           </a:p>
@@ -3932,7 +3963,7 @@
           <a:p>
             <a:fld id="{3BC2557A-5C88-417A-A763-5AC779462A5F}" type="datetime1">
               <a:rPr lang="en-US" smtClean="0"/>
-              <a:t>1/8/2022</a:t>
+              <a:t>1/13/2022</a:t>
             </a:fld>
             <a:endParaRPr lang="en-US"/>
           </a:p>
@@ -4456,7 +4487,7 @@
           <a:p>
             <a:fld id="{07C7BFD4-467E-4EDE-93EA-052F5B39A4E5}" type="datetime1">
               <a:rPr lang="en-US" smtClean="0"/>
-              <a:t>1/8/2022</a:t>
+              <a:t>1/13/2022</a:t>
             </a:fld>
             <a:endParaRPr lang="en-US"/>
           </a:p>
@@ -4769,7 +4800,7 @@
           <a:p>
             <a:fld id="{A533CBE2-D5BE-47AC-ADC2-9CDFC1D0CF90}" type="datetime1">
               <a:rPr lang="en-US" smtClean="0"/>
-              <a:t>1/8/2022</a:t>
+              <a:t>1/13/2022</a:t>
             </a:fld>
             <a:endParaRPr lang="en-US"/>
           </a:p>
@@ -5070,7 +5101,7 @@
           <a:p>
             <a:fld id="{39B7EDB1-CE74-4951-85A2-0B01C2128E28}" type="datetime1">
               <a:rPr lang="en-US" smtClean="0"/>
-              <a:t>1/8/2022</a:t>
+              <a:t>1/13/2022</a:t>
             </a:fld>
             <a:endParaRPr lang="en-US"/>
           </a:p>
@@ -5518,7 +5549,7 @@
           <a:p>
             <a:fld id="{2BC7EB92-A5C2-4807-A9DC-9EDE6CBFB241}" type="datetime1">
               <a:rPr lang="en-US" smtClean="0"/>
-              <a:t>1/8/2022</a:t>
+              <a:t>1/13/2022</a:t>
             </a:fld>
             <a:endParaRPr lang="en-US"/>
           </a:p>
@@ -5664,7 +5695,7 @@
           <a:p>
             <a:fld id="{109E55A0-C911-4F03-82FC-7E5926047D46}" type="datetime1">
               <a:rPr lang="en-US" smtClean="0"/>
-              <a:t>1/8/2022</a:t>
+              <a:t>1/13/2022</a:t>
             </a:fld>
             <a:endParaRPr lang="en-US"/>
           </a:p>
@@ -5813,7 +5844,7 @@
           <a:p>
             <a:fld id="{2B7B7EE0-7771-4CD5-9B2B-3550753A54A1}" type="datetime1">
               <a:rPr lang="en-US" smtClean="0"/>
-              <a:t>1/8/2022</a:t>
+              <a:t>1/13/2022</a:t>
             </a:fld>
             <a:endParaRPr lang="en-US"/>
           </a:p>
@@ -6124,7 +6155,7 @@
           <a:p>
             <a:fld id="{F8B318B3-0E87-4416-A9B8-D891968C2727}" type="datetime1">
               <a:rPr lang="en-US" smtClean="0"/>
-              <a:t>1/8/2022</a:t>
+              <a:t>1/13/2022</a:t>
             </a:fld>
             <a:endParaRPr lang="en-US"/>
           </a:p>
@@ -6412,7 +6443,7 @@
           <a:p>
             <a:fld id="{EA476A42-A091-4468-A075-64A31BE59948}" type="datetime1">
               <a:rPr lang="en-US" smtClean="0"/>
-              <a:t>1/8/2022</a:t>
+              <a:t>1/13/2022</a:t>
             </a:fld>
             <a:endParaRPr lang="en-US"/>
           </a:p>
@@ -6653,7 +6684,7 @@
           <a:p>
             <a:fld id="{54D997E8-DDEE-43F1-8D9B-F8A1E11DE488}" type="datetime1">
               <a:rPr lang="en-US" smtClean="0"/>
-              <a:t>1/8/2022</a:t>
+              <a:t>1/13/2022</a:t>
             </a:fld>
             <a:endParaRPr lang="en-US"/>
           </a:p>
@@ -7945,6 +7976,13 @@
             <a:pPr lvl="1"/>
             <a:r>
               <a:rPr lang="en-US" dirty="0"/>
+              <a:t>how to represent colors</a:t>
+            </a:r>
+          </a:p>
+          <a:p>
+            <a:pPr lvl="1"/>
+            <a:r>
+              <a:rPr lang="en-US" dirty="0"/>
               <a:t>how to represent </a:t>
             </a:r>
             <a:r>
@@ -7954,13 +7992,6 @@
             <a:r>
               <a:rPr lang="en-US" dirty="0"/>
               <a:t> shirt</a:t>
-            </a:r>
-          </a:p>
-          <a:p>
-            <a:pPr lvl="1"/>
-            <a:r>
-              <a:rPr lang="en-US" dirty="0"/>
-              <a:t>how to represent colors</a:t>
             </a:r>
           </a:p>
           <a:p>
@@ -9021,128 +9052,6 @@
   <p:clrMapOvr>
     <a:masterClrMapping/>
   </p:clrMapOvr>
-  <p:timing>
-    <p:tnLst>
-      <p:par>
-        <p:cTn id="1" dur="indefinite" restart="never" nodeType="tmRoot">
-          <p:childTnLst>
-            <p:seq concurrent="1" nextAc="seek">
-              <p:cTn id="2" dur="indefinite" nodeType="mainSeq">
-                <p:childTnLst>
-                  <p:par>
-                    <p:cTn id="3" fill="hold">
-                      <p:stCondLst>
-                        <p:cond delay="indefinite"/>
-                      </p:stCondLst>
-                      <p:childTnLst>
-                        <p:par>
-                          <p:cTn id="4" fill="hold">
-                            <p:stCondLst>
-                              <p:cond delay="0"/>
-                            </p:stCondLst>
-                            <p:childTnLst>
-                              <p:par>
-                                <p:cTn id="5" presetID="10" presetClass="exit" presetSubtype="0" fill="hold" grpId="0" nodeType="clickEffect">
-                                  <p:stCondLst>
-                                    <p:cond delay="0"/>
-                                  </p:stCondLst>
-                                  <p:childTnLst>
-                                    <p:animEffect transition="out" filter="fade">
-                                      <p:cBhvr>
-                                        <p:cTn id="6" dur="500"/>
-                                        <p:tgtEl>
-                                          <p:spTgt spid="12"/>
-                                        </p:tgtEl>
-                                      </p:cBhvr>
-                                    </p:animEffect>
-                                    <p:set>
-                                      <p:cBhvr>
-                                        <p:cTn id="7" dur="1" fill="hold">
-                                          <p:stCondLst>
-                                            <p:cond delay="499"/>
-                                          </p:stCondLst>
-                                        </p:cTn>
-                                        <p:tgtEl>
-                                          <p:spTgt spid="12"/>
-                                        </p:tgtEl>
-                                        <p:attrNameLst>
-                                          <p:attrName>style.visibility</p:attrName>
-                                        </p:attrNameLst>
-                                      </p:cBhvr>
-                                      <p:to>
-                                        <p:strVal val="hidden"/>
-                                      </p:to>
-                                    </p:set>
-                                  </p:childTnLst>
-                                </p:cTn>
-                              </p:par>
-                              <p:par>
-                                <p:cTn id="8" presetID="10" presetClass="exit" presetSubtype="0" fill="hold" grpId="0" nodeType="withEffect">
-                                  <p:stCondLst>
-                                    <p:cond delay="0"/>
-                                  </p:stCondLst>
-                                  <p:childTnLst>
-                                    <p:animEffect transition="out" filter="fade">
-                                      <p:cBhvr>
-                                        <p:cTn id="9" dur="500"/>
-                                        <p:tgtEl>
-                                          <p:spTgt spid="13"/>
-                                        </p:tgtEl>
-                                      </p:cBhvr>
-                                    </p:animEffect>
-                                    <p:set>
-                                      <p:cBhvr>
-                                        <p:cTn id="10" dur="1" fill="hold">
-                                          <p:stCondLst>
-                                            <p:cond delay="499"/>
-                                          </p:stCondLst>
-                                        </p:cTn>
-                                        <p:tgtEl>
-                                          <p:spTgt spid="13"/>
-                                        </p:tgtEl>
-                                        <p:attrNameLst>
-                                          <p:attrName>style.visibility</p:attrName>
-                                        </p:attrNameLst>
-                                      </p:cBhvr>
-                                      <p:to>
-                                        <p:strVal val="hidden"/>
-                                      </p:to>
-                                    </p:set>
-                                  </p:childTnLst>
-                                </p:cTn>
-                              </p:par>
-                            </p:childTnLst>
-                          </p:cTn>
-                        </p:par>
-                      </p:childTnLst>
-                    </p:cTn>
-                  </p:par>
-                </p:childTnLst>
-              </p:cTn>
-              <p:prevCondLst>
-                <p:cond evt="onPrev" delay="0">
-                  <p:tgtEl>
-                    <p:sldTgt/>
-                  </p:tgtEl>
-                </p:cond>
-              </p:prevCondLst>
-              <p:nextCondLst>
-                <p:cond evt="onNext" delay="0">
-                  <p:tgtEl>
-                    <p:sldTgt/>
-                  </p:tgtEl>
-                </p:cond>
-              </p:nextCondLst>
-            </p:seq>
-          </p:childTnLst>
-        </p:cTn>
-      </p:par>
-    </p:tnLst>
-    <p:bldLst>
-      <p:bldP spid="12" grpId="0" animBg="1"/>
-      <p:bldP spid="13" grpId="0" animBg="1"/>
-    </p:bldLst>
-  </p:timing>
 </p:sld>
 </file>
 
@@ -11077,14 +10986,13 @@
             <a:pPr lvl="1"/>
             <a:r>
               <a:rPr lang="en-US" dirty="0"/>
-              <a:t>if it's not already a "thing", refactor to make it a "thing"</a:t>
-            </a:r>
-          </a:p>
-          <a:p>
-            <a:pPr lvl="1"/>
+              <a:t>if it's not already a "thing", refactor to make it a "thing“</a:t>
+            </a:r>
+          </a:p>
+          <a:p>
             <a:r>
               <a:rPr lang="en-US" dirty="0"/>
-              <a:t>many strategies for this; let's look at one of them</a:t>
+              <a:t>Let’s look at a couple of examples.</a:t>
             </a:r>
           </a:p>
           <a:p>
@@ -11092,6 +11000,15 @@
               <a:buNone/>
             </a:pPr>
             <a:endParaRPr lang="en-US" dirty="0"/>
+          </a:p>
+          <a:p>
+            <a:pPr marL="457200" lvl="1" indent="0">
+              <a:buNone/>
+            </a:pPr>
+            <a:r>
+              <a:rPr lang="en-US" dirty="0"/>
+              <a:t>			</a:t>
+            </a:r>
           </a:p>
           <a:p>
             <a:endParaRPr lang="en-US" dirty="0"/>

--- a/Slides/Lesson 1.2 General Program Design Principles.pptx
+++ b/Slides/Lesson 1.2 General Program Design Principles.pptx
@@ -223,7 +223,7 @@
           <a:p>
             <a:fld id="{7C7E5181-6CF5-45F7-A87A-E0E0B1FD7549}" type="datetimeFigureOut">
               <a:rPr lang="en-US" smtClean="0"/>
-              <a:t>1/13/2022</a:t>
+              <a:t>1/13/22</a:t>
             </a:fld>
             <a:endParaRPr lang="en-US"/>
           </a:p>
@@ -3521,7 +3521,7 @@
           <a:p>
             <a:fld id="{5D2A64DE-480B-420F-9649-4F8E696E08E0}" type="datetime1">
               <a:rPr lang="en-US" smtClean="0"/>
-              <a:t>1/13/2022</a:t>
+              <a:t>1/13/22</a:t>
             </a:fld>
             <a:endParaRPr lang="en-US"/>
           </a:p>
@@ -3755,7 +3755,7 @@
           <a:p>
             <a:fld id="{0D3616D0-8311-4107-9726-6B805E7D05BA}" type="datetime1">
               <a:rPr lang="en-US" smtClean="0"/>
-              <a:t>1/13/2022</a:t>
+              <a:t>1/13/22</a:t>
             </a:fld>
             <a:endParaRPr lang="en-US"/>
           </a:p>
@@ -3963,7 +3963,7 @@
           <a:p>
             <a:fld id="{3BC2557A-5C88-417A-A763-5AC779462A5F}" type="datetime1">
               <a:rPr lang="en-US" smtClean="0"/>
-              <a:t>1/13/2022</a:t>
+              <a:t>1/13/22</a:t>
             </a:fld>
             <a:endParaRPr lang="en-US"/>
           </a:p>
@@ -4487,7 +4487,7 @@
           <a:p>
             <a:fld id="{07C7BFD4-467E-4EDE-93EA-052F5B39A4E5}" type="datetime1">
               <a:rPr lang="en-US" smtClean="0"/>
-              <a:t>1/13/2022</a:t>
+              <a:t>1/13/22</a:t>
             </a:fld>
             <a:endParaRPr lang="en-US"/>
           </a:p>
@@ -4800,7 +4800,7 @@
           <a:p>
             <a:fld id="{A533CBE2-D5BE-47AC-ADC2-9CDFC1D0CF90}" type="datetime1">
               <a:rPr lang="en-US" smtClean="0"/>
-              <a:t>1/13/2022</a:t>
+              <a:t>1/13/22</a:t>
             </a:fld>
             <a:endParaRPr lang="en-US"/>
           </a:p>
@@ -5101,7 +5101,7 @@
           <a:p>
             <a:fld id="{39B7EDB1-CE74-4951-85A2-0B01C2128E28}" type="datetime1">
               <a:rPr lang="en-US" smtClean="0"/>
-              <a:t>1/13/2022</a:t>
+              <a:t>1/13/22</a:t>
             </a:fld>
             <a:endParaRPr lang="en-US"/>
           </a:p>
@@ -5549,7 +5549,7 @@
           <a:p>
             <a:fld id="{2BC7EB92-A5C2-4807-A9DC-9EDE6CBFB241}" type="datetime1">
               <a:rPr lang="en-US" smtClean="0"/>
-              <a:t>1/13/2022</a:t>
+              <a:t>1/13/22</a:t>
             </a:fld>
             <a:endParaRPr lang="en-US"/>
           </a:p>
@@ -5695,7 +5695,7 @@
           <a:p>
             <a:fld id="{109E55A0-C911-4F03-82FC-7E5926047D46}" type="datetime1">
               <a:rPr lang="en-US" smtClean="0"/>
-              <a:t>1/13/2022</a:t>
+              <a:t>1/13/22</a:t>
             </a:fld>
             <a:endParaRPr lang="en-US"/>
           </a:p>
@@ -5844,7 +5844,7 @@
           <a:p>
             <a:fld id="{2B7B7EE0-7771-4CD5-9B2B-3550753A54A1}" type="datetime1">
               <a:rPr lang="en-US" smtClean="0"/>
-              <a:t>1/13/2022</a:t>
+              <a:t>1/13/22</a:t>
             </a:fld>
             <a:endParaRPr lang="en-US"/>
           </a:p>
@@ -6155,7 +6155,7 @@
           <a:p>
             <a:fld id="{F8B318B3-0E87-4416-A9B8-D891968C2727}" type="datetime1">
               <a:rPr lang="en-US" smtClean="0"/>
-              <a:t>1/13/2022</a:t>
+              <a:t>1/13/22</a:t>
             </a:fld>
             <a:endParaRPr lang="en-US"/>
           </a:p>
@@ -6443,7 +6443,7 @@
           <a:p>
             <a:fld id="{EA476A42-A091-4468-A075-64A31BE59948}" type="datetime1">
               <a:rPr lang="en-US" smtClean="0"/>
-              <a:t>1/13/2022</a:t>
+              <a:t>1/13/22</a:t>
             </a:fld>
             <a:endParaRPr lang="en-US"/>
           </a:p>
@@ -6684,7 +6684,7 @@
           <a:p>
             <a:fld id="{54D997E8-DDEE-43F1-8D9B-F8A1E11DE488}" type="datetime1">
               <a:rPr lang="en-US" smtClean="0"/>
-              <a:t>1/13/2022</a:t>
+              <a:t>1/13/22</a:t>
             </a:fld>
             <a:endParaRPr lang="en-US"/>
           </a:p>
@@ -7131,7 +7131,7 @@
               <a:rPr lang="en-US" altLang="en-US" sz="3200" dirty="0">
                 <a:sym typeface="Helvetica Neue" charset="0"/>
               </a:rPr>
-              <a:t>CS 4350: Fundamentals of Software Engineering</a:t>
+              <a:t>CS 4530: Fundamentals of Software Engineering</a:t>
             </a:r>
             <a:br>
               <a:rPr lang="en-US" altLang="en-US" sz="3200" dirty="0">
